--- a/lectures/lecture-01/Lecture-Live B00/Lecture 01 - Lecture.pptx
+++ b/lectures/lecture-01/Lecture-Live B00/Lecture 01 - Lecture.pptx
@@ -837,7 +837,7 @@
           <a:p>
             <a:fld id="{3A2BF66F-FEB0-48C1-A8B9-A73F54BB1A08}" type="datetimeFigureOut">
               <a:rPr lang="en-US" smtClean="0"/>
-              <a:t>1/3/2021</a:t>
+              <a:t>1/4/2021</a:t>
             </a:fld>
             <a:endParaRPr lang="en-US" dirty="0"/>
           </a:p>
@@ -1045,7 +1045,7 @@
           <a:p>
             <a:fld id="{3A2BF66F-FEB0-48C1-A8B9-A73F54BB1A08}" type="datetimeFigureOut">
               <a:rPr lang="en-US" smtClean="0"/>
-              <a:t>1/3/2021</a:t>
+              <a:t>1/4/2021</a:t>
             </a:fld>
             <a:endParaRPr lang="en-US" dirty="0"/>
           </a:p>
@@ -1263,7 +1263,7 @@
           <a:p>
             <a:fld id="{3A2BF66F-FEB0-48C1-A8B9-A73F54BB1A08}" type="datetimeFigureOut">
               <a:rPr lang="en-US" smtClean="0"/>
-              <a:t>1/3/2021</a:t>
+              <a:t>1/4/2021</a:t>
             </a:fld>
             <a:endParaRPr lang="en-US" dirty="0"/>
           </a:p>
@@ -1471,7 +1471,7 @@
           <a:p>
             <a:fld id="{3A2BF66F-FEB0-48C1-A8B9-A73F54BB1A08}" type="datetimeFigureOut">
               <a:rPr lang="en-US" smtClean="0"/>
-              <a:t>1/3/2021</a:t>
+              <a:t>1/4/2021</a:t>
             </a:fld>
             <a:endParaRPr lang="en-US" dirty="0"/>
           </a:p>
@@ -1756,7 +1756,7 @@
           <a:p>
             <a:fld id="{3A2BF66F-FEB0-48C1-A8B9-A73F54BB1A08}" type="datetimeFigureOut">
               <a:rPr lang="en-US" smtClean="0"/>
-              <a:t>1/3/2021</a:t>
+              <a:t>1/4/2021</a:t>
             </a:fld>
             <a:endParaRPr lang="en-US" dirty="0"/>
           </a:p>
@@ -2031,7 +2031,7 @@
           <a:p>
             <a:fld id="{3A2BF66F-FEB0-48C1-A8B9-A73F54BB1A08}" type="datetimeFigureOut">
               <a:rPr lang="en-US" smtClean="0"/>
-              <a:t>1/3/2021</a:t>
+              <a:t>1/4/2021</a:t>
             </a:fld>
             <a:endParaRPr lang="en-US" dirty="0"/>
           </a:p>
@@ -2453,7 +2453,7 @@
           <a:p>
             <a:fld id="{3A2BF66F-FEB0-48C1-A8B9-A73F54BB1A08}" type="datetimeFigureOut">
               <a:rPr lang="en-US" smtClean="0"/>
-              <a:t>1/3/2021</a:t>
+              <a:t>1/4/2021</a:t>
             </a:fld>
             <a:endParaRPr lang="en-US" dirty="0"/>
           </a:p>
@@ -2604,7 +2604,7 @@
           <a:p>
             <a:fld id="{3A2BF66F-FEB0-48C1-A8B9-A73F54BB1A08}" type="datetimeFigureOut">
               <a:rPr lang="en-US" smtClean="0"/>
-              <a:t>1/3/2021</a:t>
+              <a:t>1/4/2021</a:t>
             </a:fld>
             <a:endParaRPr lang="en-US" dirty="0"/>
           </a:p>
@@ -2727,7 +2727,7 @@
           <a:p>
             <a:fld id="{3A2BF66F-FEB0-48C1-A8B9-A73F54BB1A08}" type="datetimeFigureOut">
               <a:rPr lang="en-US" smtClean="0"/>
-              <a:t>1/3/2021</a:t>
+              <a:t>1/4/2021</a:t>
             </a:fld>
             <a:endParaRPr lang="en-US" dirty="0"/>
           </a:p>
@@ -3047,7 +3047,7 @@
           <a:p>
             <a:fld id="{3A2BF66F-FEB0-48C1-A8B9-A73F54BB1A08}" type="datetimeFigureOut">
               <a:rPr lang="en-US" smtClean="0"/>
-              <a:t>1/3/2021</a:t>
+              <a:t>1/4/2021</a:t>
             </a:fld>
             <a:endParaRPr lang="en-US" dirty="0"/>
           </a:p>
@@ -3345,7 +3345,7 @@
           <a:p>
             <a:fld id="{3A2BF66F-FEB0-48C1-A8B9-A73F54BB1A08}" type="datetimeFigureOut">
               <a:rPr lang="en-US" smtClean="0"/>
-              <a:t>1/3/2021</a:t>
+              <a:t>1/4/2021</a:t>
             </a:fld>
             <a:endParaRPr lang="en-US" dirty="0"/>
           </a:p>
@@ -3596,7 +3596,7 @@
           <a:p>
             <a:fld id="{3A2BF66F-FEB0-48C1-A8B9-A73F54BB1A08}" type="datetimeFigureOut">
               <a:rPr lang="en-US" smtClean="0"/>
-              <a:t>1/3/2021</a:t>
+              <a:t>1/4/2021</a:t>
             </a:fld>
             <a:endParaRPr lang="en-US" dirty="0"/>
           </a:p>
@@ -4573,9 +4573,10 @@
           <a:lstStyle/>
           <a:p>
             <a:r>
-              <a:rPr lang="en-US" dirty="0"/>
-              <a:t>Announcements</a:t>
-            </a:r>
+              <a:rPr lang="en-US"/>
+              <a:t>Topics</a:t>
+            </a:r>
+            <a:endParaRPr lang="en-US" dirty="0"/>
           </a:p>
         </p:txBody>
       </p:sp>
